--- a/资料/PPT资料/简章素材.pptx
+++ b/资料/PPT资料/简章素材.pptx
@@ -14,7 +14,7 @@
     <p:sldId id="1579" r:id="rId2"/>
     <p:sldId id="1581" r:id="rId3"/>
     <p:sldId id="1578" r:id="rId4"/>
-    <p:sldId id="1580" r:id="rId5"/>
+    <p:sldId id="1610" r:id="rId5"/>
     <p:sldId id="1607" r:id="rId6"/>
     <p:sldId id="1583" r:id="rId7"/>
     <p:sldId id="1608" r:id="rId8"/>
@@ -161,7 +161,7 @@
             <p14:sldId id="1579"/>
             <p14:sldId id="1581"/>
             <p14:sldId id="1578"/>
-            <p14:sldId id="1580"/>
+            <p14:sldId id="1610"/>
             <p14:sldId id="1607"/>
             <p14:sldId id="1583"/>
             <p14:sldId id="1608"/>
@@ -174,7 +174,7 @@
       </p14:sectionLst>
     </p:ext>
     <p:ext uri="{EFAFB233-063F-42B5-8137-9DF3F51BA10A}">
-      <p15:sldGuideLst xmlns:p15="http://schemas.microsoft.com/office/powerpoint/2012/main" xmlns="">
+      <p15:sldGuideLst xmlns="" xmlns:p15="http://schemas.microsoft.com/office/powerpoint/2012/main">
         <p15:guide id="1" orient="horz">
           <p15:clr>
             <a:srgbClr val="A4A3A4"/>
@@ -188,7 +188,7 @@
       </p15:sldGuideLst>
     </p:ext>
     <p:ext uri="{2D200454-40CA-4A62-9FC3-DE9A4176ACB9}">
-      <p15:notesGuideLst xmlns:p15="http://schemas.microsoft.com/office/powerpoint/2012/main" xmlns="">
+      <p15:notesGuideLst xmlns="" xmlns:p15="http://schemas.microsoft.com/office/powerpoint/2012/main">
         <p15:guide id="1" orient="horz" pos="3109">
           <p15:clr>
             <a:srgbClr val="A4A3A4"/>
@@ -292,7 +292,7 @@
                 <a:ea typeface="微软雅黑" pitchFamily="34" charset="-122"/>
               </a:rPr>
               <a:pPr/>
-              <a:t>15/3/26</a:t>
+              <a:t>15/5/4</a:t>
             </a:fld>
             <a:endParaRPr lang="zh-CN" altLang="en-US" dirty="0">
               <a:ea typeface="微软雅黑" pitchFamily="34" charset="-122"/>
@@ -496,7 +496,7 @@
             <a:fld id="{DF9E65B2-A0B4-4242-9432-201E84F17494}" type="datetime1">
               <a:rPr lang="en-US" smtClean="0"/>
               <a:pPr/>
-              <a:t>15/3/26</a:t>
+              <a:t>15/5/4</a:t>
             </a:fld>
             <a:endParaRPr lang="en-US" dirty="0"/>
           </a:p>
@@ -2413,7 +2413,7 @@
             <a:fld id="{74CBEAF9-9E58-4CC8-A6FF-6DD8A58DEEA4}" type="datetimeFigureOut">
               <a:rPr lang="en-US" smtClean="0"/>
               <a:pPr eaLnBrk="1" latinLnBrk="0" hangingPunct="1"/>
-              <a:t>15/3/26</a:t>
+              <a:t>15/5/4</a:t>
             </a:fld>
             <a:endParaRPr lang="en-US"/>
           </a:p>
@@ -2636,7 +2636,7 @@
             <a:fld id="{74CBEAF9-9E58-4CC8-A6FF-6DD8A58DEEA4}" type="datetimeFigureOut">
               <a:rPr lang="en-US" smtClean="0"/>
               <a:pPr eaLnBrk="1" latinLnBrk="0" hangingPunct="1"/>
-              <a:t>15/3/26</a:t>
+              <a:t>15/5/4</a:t>
             </a:fld>
             <a:endParaRPr lang="en-US"/>
           </a:p>
@@ -2827,7 +2827,7 @@
             <a:fld id="{74CBEAF9-9E58-4CC8-A6FF-6DD8A58DEEA4}" type="datetimeFigureOut">
               <a:rPr lang="en-US" smtClean="0"/>
               <a:pPr eaLnBrk="1" latinLnBrk="0" hangingPunct="1"/>
-              <a:t>15/3/26</a:t>
+              <a:t>15/5/4</a:t>
             </a:fld>
             <a:endParaRPr lang="en-US"/>
           </a:p>
@@ -3088,7 +3088,7 @@
             <a:fld id="{74CBEAF9-9E58-4CC8-A6FF-6DD8A58DEEA4}" type="datetimeFigureOut">
               <a:rPr lang="en-US" smtClean="0"/>
               <a:pPr eaLnBrk="1" latinLnBrk="0" hangingPunct="1"/>
-              <a:t>15/3/26</a:t>
+              <a:t>15/5/4</a:t>
             </a:fld>
             <a:endParaRPr lang="en-US"/>
           </a:p>
@@ -3687,7 +3687,7 @@
             <a:fld id="{74CBEAF9-9E58-4CC8-A6FF-6DD8A58DEEA4}" type="datetimeFigureOut">
               <a:rPr lang="en-US" smtClean="0"/>
               <a:pPr eaLnBrk="1" latinLnBrk="0" hangingPunct="1"/>
-              <a:t>15/3/26</a:t>
+              <a:t>15/5/4</a:t>
             </a:fld>
             <a:endParaRPr lang="en-US"/>
           </a:p>
@@ -3788,7 +3788,7 @@
             <a:fld id="{74CBEAF9-9E58-4CC8-A6FF-6DD8A58DEEA4}" type="datetimeFigureOut">
               <a:rPr lang="en-US" smtClean="0"/>
               <a:pPr eaLnBrk="1" latinLnBrk="0" hangingPunct="1"/>
-              <a:t>15/3/26</a:t>
+              <a:t>15/5/4</a:t>
             </a:fld>
             <a:endParaRPr lang="en-US"/>
           </a:p>
@@ -4397,7 +4397,7 @@
             <a:fld id="{74CBEAF9-9E58-4CC8-A6FF-6DD8A58DEEA4}" type="datetimeFigureOut">
               <a:rPr lang="en-US" smtClean="0"/>
               <a:pPr eaLnBrk="1" latinLnBrk="0" hangingPunct="1"/>
-              <a:t>15/3/26</a:t>
+              <a:t>15/5/4</a:t>
             </a:fld>
             <a:endParaRPr lang="en-US"/>
           </a:p>
@@ -4544,7 +4544,7 @@
             <a:fld id="{74CBEAF9-9E58-4CC8-A6FF-6DD8A58DEEA4}" type="datetimeFigureOut">
               <a:rPr lang="en-US" smtClean="0"/>
               <a:pPr eaLnBrk="1" latinLnBrk="0" hangingPunct="1"/>
-              <a:t>15/3/26</a:t>
+              <a:t>15/5/4</a:t>
             </a:fld>
             <a:endParaRPr lang="en-US"/>
           </a:p>
@@ -4645,7 +4645,7 @@
             <a:fld id="{74CBEAF9-9E58-4CC8-A6FF-6DD8A58DEEA4}" type="datetimeFigureOut">
               <a:rPr lang="en-US" smtClean="0"/>
               <a:pPr eaLnBrk="1" latinLnBrk="0" hangingPunct="1"/>
-              <a:t>15/3/26</a:t>
+              <a:t>15/5/4</a:t>
             </a:fld>
             <a:endParaRPr lang="en-US"/>
           </a:p>
@@ -4933,7 +4933,7 @@
             <a:fld id="{74CBEAF9-9E58-4CC8-A6FF-6DD8A58DEEA4}" type="datetimeFigureOut">
               <a:rPr lang="en-US" smtClean="0"/>
               <a:pPr eaLnBrk="1" latinLnBrk="0" hangingPunct="1"/>
-              <a:t>15/3/26</a:t>
+              <a:t>15/5/4</a:t>
             </a:fld>
             <a:endParaRPr lang="en-US"/>
           </a:p>
@@ -5459,7 +5459,7 @@
             <a:fld id="{74CBEAF9-9E58-4CC8-A6FF-6DD8A58DEEA4}" type="datetimeFigureOut">
               <a:rPr lang="en-US" smtClean="0"/>
               <a:pPr eaLnBrk="1" latinLnBrk="0" hangingPunct="1"/>
-              <a:t>15/3/26</a:t>
+              <a:t>15/5/4</a:t>
             </a:fld>
             <a:endParaRPr lang="en-US"/>
           </a:p>
@@ -5983,7 +5983,7 @@
             <a:fld id="{74CBEAF9-9E58-4CC8-A6FF-6DD8A58DEEA4}" type="datetimeFigureOut">
               <a:rPr lang="en-US" smtClean="0"/>
               <a:pPr algn="l" eaLnBrk="1" latinLnBrk="0" hangingPunct="1"/>
-              <a:t>15/3/26</a:t>
+              <a:t>15/5/4</a:t>
             </a:fld>
             <a:endParaRPr lang="en-US" dirty="0">
               <a:solidFill>
@@ -9842,19 +9842,7 @@
                 <a:ea typeface="微软雅黑" panose="020B0503020204020204" pitchFamily="34" charset="-122"/>
                 <a:cs typeface="+mn-cs"/>
               </a:rPr>
-              <a:t>就业</a:t>
-            </a:r>
-            <a:r>
-              <a:rPr lang="zh-CN" altLang="en-US" sz="3600" b="0" dirty="0" smtClean="0">
-                <a:solidFill>
-                  <a:schemeClr val="tx1"/>
-                </a:solidFill>
-                <a:effectLst/>
-                <a:latin typeface="微软雅黑" panose="020B0503020204020204" pitchFamily="34" charset="-122"/>
-                <a:ea typeface="微软雅黑" panose="020B0503020204020204" pitchFamily="34" charset="-122"/>
-                <a:cs typeface="+mn-cs"/>
-              </a:rPr>
-              <a:t>方向</a:t>
+              <a:t>就业方向</a:t>
             </a:r>
             <a:endParaRPr lang="en-US" altLang="zh-CN" sz="3600" b="0" dirty="0">
               <a:solidFill>
@@ -13468,19 +13456,7 @@
                 <a:ea typeface="微软雅黑" panose="020B0503020204020204" pitchFamily="34" charset="-122"/>
                 <a:cs typeface="+mn-cs"/>
               </a:rPr>
-              <a:t>开发</a:t>
-            </a:r>
-            <a:r>
-              <a:rPr lang="zh-CN" altLang="en-US" sz="3600" b="0" dirty="0" smtClean="0">
-                <a:solidFill>
-                  <a:schemeClr val="tx1"/>
-                </a:solidFill>
-                <a:effectLst/>
-                <a:latin typeface="微软雅黑" panose="020B0503020204020204" pitchFamily="34" charset="-122"/>
-                <a:ea typeface="微软雅黑" panose="020B0503020204020204" pitchFamily="34" charset="-122"/>
-                <a:cs typeface="+mn-cs"/>
-              </a:rPr>
-              <a:t>人才缺</a:t>
+              <a:t>开发人才缺</a:t>
             </a:r>
             <a:r>
               <a:rPr lang="zh-CN" altLang="en-US" sz="3600" b="0" dirty="0">
@@ -14664,7 +14640,7 @@
         </p:nvSpPr>
         <p:spPr>
           <a:xfrm>
-            <a:off x="320415" y="1196752"/>
+            <a:off x="323528" y="1268760"/>
             <a:ext cx="8280920" cy="507831"/>
           </a:xfrm>
           <a:prstGeom prst="rect">
@@ -14709,8 +14685,8 @@
         </p:nvSpPr>
         <p:spPr bwMode="gray">
           <a:xfrm>
-            <a:off x="390525" y="3429000"/>
-            <a:ext cx="1885950" cy="2017713"/>
+            <a:off x="102492" y="2204864"/>
+            <a:ext cx="1805212" cy="3960440"/>
           </a:xfrm>
           <a:prstGeom prst="roundRect">
             <a:avLst>
@@ -14749,177 +14725,7 @@
             <a:pPr>
               <a:defRPr/>
             </a:pPr>
-            <a:endParaRPr lang="zh-CN" altLang="en-US"/>
-          </a:p>
-        </p:txBody>
-      </p:sp>
-      <p:sp>
-        <p:nvSpPr>
-          <p:cNvPr id="12" name="Text Box 4"/>
-          <p:cNvSpPr txBox="1">
-            <a:spLocks noChangeArrowheads="1"/>
-          </p:cNvSpPr>
-          <p:nvPr/>
-        </p:nvSpPr>
-        <p:spPr bwMode="black">
-          <a:xfrm>
-            <a:off x="899592" y="2247255"/>
-            <a:ext cx="7298382" cy="461665"/>
-          </a:xfrm>
-          <a:prstGeom prst="rect">
-            <a:avLst/>
-          </a:prstGeom>
-          <a:noFill/>
-          <a:ln>
-            <a:noFill/>
-          </a:ln>
-          <a:extLst>
-            <a:ext uri="{909E8E84-426E-40dd-AFC4-6F175D3DCCD1}">
-              <a14:hiddenFill xmlns:a14="http://schemas.microsoft.com/office/drawing/2010/main">
-                <a:solidFill>
-                  <a:srgbClr val="FFFFFF"/>
-                </a:solidFill>
-              </a14:hiddenFill>
-            </a:ext>
-            <a:ext uri="{91240B29-F687-4f45-9708-019B960494DF}">
-              <a14:hiddenLine xmlns:a14="http://schemas.microsoft.com/office/drawing/2010/main" w="9525" algn="ctr">
-                <a:solidFill>
-                  <a:srgbClr val="000000"/>
-                </a:solidFill>
-                <a:miter lim="800000"/>
-                <a:headEnd/>
-                <a:tailEnd/>
-              </a14:hiddenLine>
-            </a:ext>
-          </a:extLst>
-        </p:spPr>
-        <p:txBody>
-          <a:bodyPr wrap="square">
-            <a:spAutoFit/>
-          </a:bodyPr>
-          <a:lstStyle>
-            <a:lvl1pPr eaLnBrk="0" hangingPunct="0">
-              <a:defRPr>
-                <a:solidFill>
-                  <a:schemeClr val="tx1"/>
-                </a:solidFill>
-                <a:latin typeface="Arial" charset="0"/>
-                <a:ea typeface="宋体" charset="-122"/>
-              </a:defRPr>
-            </a:lvl1pPr>
-            <a:lvl2pPr marL="742950" indent="-285750" eaLnBrk="0" hangingPunct="0">
-              <a:defRPr>
-                <a:solidFill>
-                  <a:schemeClr val="tx1"/>
-                </a:solidFill>
-                <a:latin typeface="Arial" charset="0"/>
-                <a:ea typeface="宋体" charset="-122"/>
-              </a:defRPr>
-            </a:lvl2pPr>
-            <a:lvl3pPr marL="1143000" indent="-228600" eaLnBrk="0" hangingPunct="0">
-              <a:defRPr>
-                <a:solidFill>
-                  <a:schemeClr val="tx1"/>
-                </a:solidFill>
-                <a:latin typeface="Arial" charset="0"/>
-                <a:ea typeface="宋体" charset="-122"/>
-              </a:defRPr>
-            </a:lvl3pPr>
-            <a:lvl4pPr marL="1600200" indent="-228600" eaLnBrk="0" hangingPunct="0">
-              <a:defRPr>
-                <a:solidFill>
-                  <a:schemeClr val="tx1"/>
-                </a:solidFill>
-                <a:latin typeface="Arial" charset="0"/>
-                <a:ea typeface="宋体" charset="-122"/>
-              </a:defRPr>
-            </a:lvl4pPr>
-            <a:lvl5pPr marL="2057400" indent="-228600" eaLnBrk="0" hangingPunct="0">
-              <a:defRPr>
-                <a:solidFill>
-                  <a:schemeClr val="tx1"/>
-                </a:solidFill>
-                <a:latin typeface="Arial" charset="0"/>
-                <a:ea typeface="宋体" charset="-122"/>
-              </a:defRPr>
-            </a:lvl5pPr>
-            <a:lvl6pPr marL="2514600" indent="-228600" eaLnBrk="0" fontAlgn="base" hangingPunct="0">
-              <a:spcBef>
-                <a:spcPct val="0"/>
-              </a:spcBef>
-              <a:spcAft>
-                <a:spcPct val="0"/>
-              </a:spcAft>
-              <a:defRPr>
-                <a:solidFill>
-                  <a:schemeClr val="tx1"/>
-                </a:solidFill>
-                <a:latin typeface="Arial" charset="0"/>
-                <a:ea typeface="宋体" charset="-122"/>
-              </a:defRPr>
-            </a:lvl6pPr>
-            <a:lvl7pPr marL="2971800" indent="-228600" eaLnBrk="0" fontAlgn="base" hangingPunct="0">
-              <a:spcBef>
-                <a:spcPct val="0"/>
-              </a:spcBef>
-              <a:spcAft>
-                <a:spcPct val="0"/>
-              </a:spcAft>
-              <a:defRPr>
-                <a:solidFill>
-                  <a:schemeClr val="tx1"/>
-                </a:solidFill>
-                <a:latin typeface="Arial" charset="0"/>
-                <a:ea typeface="宋体" charset="-122"/>
-              </a:defRPr>
-            </a:lvl7pPr>
-            <a:lvl8pPr marL="3429000" indent="-228600" eaLnBrk="0" fontAlgn="base" hangingPunct="0">
-              <a:spcBef>
-                <a:spcPct val="0"/>
-              </a:spcBef>
-              <a:spcAft>
-                <a:spcPct val="0"/>
-              </a:spcAft>
-              <a:defRPr>
-                <a:solidFill>
-                  <a:schemeClr val="tx1"/>
-                </a:solidFill>
-                <a:latin typeface="Arial" charset="0"/>
-                <a:ea typeface="宋体" charset="-122"/>
-              </a:defRPr>
-            </a:lvl8pPr>
-            <a:lvl9pPr marL="3886200" indent="-228600" eaLnBrk="0" fontAlgn="base" hangingPunct="0">
-              <a:spcBef>
-                <a:spcPct val="0"/>
-              </a:spcBef>
-              <a:spcAft>
-                <a:spcPct val="0"/>
-              </a:spcAft>
-              <a:defRPr>
-                <a:solidFill>
-                  <a:schemeClr val="tx1"/>
-                </a:solidFill>
-                <a:latin typeface="Arial" charset="0"/>
-                <a:ea typeface="宋体" charset="-122"/>
-              </a:defRPr>
-            </a:lvl9pPr>
-          </a:lstStyle>
-          <a:p>
-            <a:r>
-              <a:rPr lang="en-US" altLang="zh-CN" sz="2400" b="1" dirty="0" smtClean="0">
-                <a:cs typeface="Arial" charset="0"/>
-              </a:rPr>
-              <a:t>2015</a:t>
-            </a:r>
-            <a:r>
-              <a:rPr lang="zh-CN" altLang="en-US" sz="2400" b="1" dirty="0" smtClean="0">
-                <a:cs typeface="Arial" charset="0"/>
-              </a:rPr>
-              <a:t>年元旦节流量占比与网络销售额数据显示如下：</a:t>
-            </a:r>
-            <a:endParaRPr lang="en-US" altLang="zh-CN" sz="2400" b="1" dirty="0">
-              <a:cs typeface="Arial" charset="0"/>
-            </a:endParaRPr>
+            <a:endParaRPr lang="zh-CN" altLang="en-US" dirty="0"/>
           </a:p>
         </p:txBody>
       </p:sp>
@@ -14933,8 +14739,8 @@
         </p:nvSpPr>
         <p:spPr bwMode="gray">
           <a:xfrm>
-            <a:off x="2574925" y="3429000"/>
-            <a:ext cx="1885950" cy="2017713"/>
+            <a:off x="2218655" y="2276872"/>
+            <a:ext cx="1944216" cy="3888432"/>
           </a:xfrm>
           <a:prstGeom prst="roundRect">
             <a:avLst>
@@ -14973,7 +14779,7 @@
             <a:pPr>
               <a:defRPr/>
             </a:pPr>
-            <a:endParaRPr lang="zh-CN" altLang="en-US"/>
+            <a:endParaRPr lang="zh-CN" altLang="en-US" dirty="0"/>
           </a:p>
         </p:txBody>
       </p:sp>
@@ -14987,8 +14793,8 @@
         </p:nvSpPr>
         <p:spPr bwMode="gray">
           <a:xfrm>
-            <a:off x="4725988" y="3429000"/>
-            <a:ext cx="1885950" cy="2017713"/>
+            <a:off x="4495428" y="2266414"/>
+            <a:ext cx="2078260" cy="3888432"/>
           </a:xfrm>
           <a:prstGeom prst="roundRect">
             <a:avLst>
@@ -15027,7 +14833,7 @@
             <a:pPr>
               <a:defRPr/>
             </a:pPr>
-            <a:endParaRPr lang="zh-CN" altLang="en-US"/>
+            <a:endParaRPr lang="zh-CN" altLang="en-US" dirty="0"/>
           </a:p>
         </p:txBody>
       </p:sp>
@@ -15041,8 +14847,8 @@
         </p:nvSpPr>
         <p:spPr bwMode="gray">
           <a:xfrm>
-            <a:off x="6877050" y="3429000"/>
-            <a:ext cx="1885950" cy="2017713"/>
+            <a:off x="6861720" y="2204864"/>
+            <a:ext cx="2174776" cy="3888432"/>
           </a:xfrm>
           <a:prstGeom prst="roundRect">
             <a:avLst>
@@ -15081,7 +14887,7 @@
             <a:pPr>
               <a:defRPr/>
             </a:pPr>
-            <a:endParaRPr lang="zh-CN" altLang="en-US"/>
+            <a:endParaRPr lang="zh-CN" altLang="en-US" dirty="0"/>
           </a:p>
         </p:txBody>
       </p:sp>
@@ -15095,7 +14901,7 @@
         </p:nvSpPr>
         <p:spPr bwMode="gray">
           <a:xfrm>
-            <a:off x="8740775" y="3711575"/>
+            <a:off x="9014271" y="3423543"/>
             <a:ext cx="3175" cy="1463675"/>
           </a:xfrm>
           <a:prstGeom prst="line">
@@ -15138,8 +14944,8 @@
         </p:nvSpPr>
         <p:spPr bwMode="gray">
           <a:xfrm>
-            <a:off x="522288" y="4191744"/>
-            <a:ext cx="1797050" cy="1246495"/>
+            <a:off x="179512" y="3140968"/>
+            <a:ext cx="1661196" cy="2246769"/>
           </a:xfrm>
           <a:prstGeom prst="rect">
             <a:avLst/>
@@ -15284,17 +15090,69 @@
               <a:spcBef>
                 <a:spcPct val="50000"/>
               </a:spcBef>
-              <a:buFontTx/>
-              <a:buChar char="•"/>
             </a:pPr>
             <a:r>
-              <a:rPr lang="en-US" altLang="zh-CN" sz="1400" b="1" dirty="0">
+              <a:rPr lang="zh-CN" altLang="en-US" sz="1400" b="1" dirty="0">
                 <a:solidFill>
                   <a:srgbClr val="FFFFFF"/>
                 </a:solidFill>
                 <a:cs typeface="Arial" charset="0"/>
               </a:rPr>
-              <a:t> </a:t>
+              <a:t>从</a:t>
+            </a:r>
+            <a:r>
+              <a:rPr lang="en-US" altLang="zh-CN" sz="1400" b="1" dirty="0">
+                <a:solidFill>
+                  <a:srgbClr val="FFFFFF"/>
+                </a:solidFill>
+                <a:cs typeface="Arial" charset="0"/>
+              </a:rPr>
+              <a:t>2007</a:t>
+            </a:r>
+            <a:r>
+              <a:rPr lang="zh-CN" altLang="en-US" sz="1400" b="1" dirty="0">
+                <a:solidFill>
+                  <a:srgbClr val="FFFFFF"/>
+                </a:solidFill>
+                <a:cs typeface="Arial" charset="0"/>
+              </a:rPr>
+              <a:t>年至</a:t>
+            </a:r>
+            <a:r>
+              <a:rPr lang="en-US" altLang="zh-CN" sz="1400" b="1" dirty="0">
+                <a:solidFill>
+                  <a:srgbClr val="FFFFFF"/>
+                </a:solidFill>
+                <a:cs typeface="Arial" charset="0"/>
+              </a:rPr>
+              <a:t>2014</a:t>
+            </a:r>
+            <a:r>
+              <a:rPr lang="zh-CN" altLang="en-US" sz="1400" b="1" dirty="0">
+                <a:solidFill>
+                  <a:srgbClr val="FFFFFF"/>
+                </a:solidFill>
+                <a:cs typeface="Arial" charset="0"/>
+              </a:rPr>
+              <a:t>年这</a:t>
+            </a:r>
+            <a:r>
+              <a:rPr lang="en-US" altLang="zh-CN" sz="1400" b="1" dirty="0">
+                <a:solidFill>
+                  <a:srgbClr val="FFFFFF"/>
+                </a:solidFill>
+                <a:cs typeface="Arial" charset="0"/>
+              </a:rPr>
+              <a:t>7</a:t>
+            </a:r>
+            <a:r>
+              <a:rPr lang="zh-CN" altLang="en-US" sz="1400" b="1" dirty="0">
+                <a:solidFill>
+                  <a:srgbClr val="FFFFFF"/>
+                </a:solidFill>
+                <a:cs typeface="Arial" charset="0"/>
+              </a:rPr>
+              <a:t>年的时间里</a:t>
             </a:r>
             <a:r>
               <a:rPr lang="zh-CN" altLang="en-US" sz="1400" b="1" dirty="0" smtClean="0">
@@ -15303,26 +15161,17 @@
                 </a:solidFill>
                 <a:cs typeface="Arial" charset="0"/>
               </a:rPr>
-              <a:t>移动流量占总流量比约为</a:t>
+              <a:t>，</a:t>
             </a:r>
             <a:r>
-              <a:rPr lang="en-US" altLang="zh-CN" sz="1600" b="1" dirty="0" smtClean="0">
-                <a:solidFill>
-                  <a:srgbClr val="FF0000"/>
+              <a:rPr lang="en-US" altLang="zh-CN" sz="1400" b="1" dirty="0" err="1" smtClean="0">
+                <a:solidFill>
+                  <a:srgbClr val="FFFFFF"/>
                 </a:solidFill>
                 <a:cs typeface="Arial" charset="0"/>
               </a:rPr>
-              <a:t>57.1%</a:t>
+              <a:t>iOS</a:t>
             </a:r>
-          </a:p>
-          <a:p>
-            <a:pPr eaLnBrk="1" hangingPunct="1">
-              <a:spcBef>
-                <a:spcPct val="50000"/>
-              </a:spcBef>
-              <a:buFontTx/>
-              <a:buChar char="•"/>
-            </a:pPr>
             <a:r>
               <a:rPr lang="zh-CN" altLang="en-US" sz="1400" b="1" dirty="0" smtClean="0">
                 <a:solidFill>
@@ -15330,26 +15179,89 @@
                 </a:solidFill>
                 <a:cs typeface="Arial" charset="0"/>
               </a:rPr>
-              <a:t>较去年增长</a:t>
+              <a:t>操作系统成为炙手可热</a:t>
             </a:r>
             <a:r>
-              <a:rPr lang="en-US" altLang="zh-CN" sz="1600" b="1" dirty="0" smtClean="0">
-                <a:solidFill>
-                  <a:srgbClr val="FFFF00"/>
+              <a:rPr lang="zh-CN" altLang="en-US" sz="1400" b="1" dirty="0">
+                <a:solidFill>
+                  <a:srgbClr val="FFFFFF"/>
                 </a:solidFill>
                 <a:cs typeface="Arial" charset="0"/>
               </a:rPr>
-              <a:t>18.6%</a:t>
+              <a:t>的移动操作系统，同时搭载</a:t>
             </a:r>
-          </a:p>
-          <a:p>
-            <a:pPr eaLnBrk="1" hangingPunct="1">
-              <a:spcBef>
-                <a:spcPct val="50000"/>
-              </a:spcBef>
-              <a:buFontTx/>
-              <a:buChar char="•"/>
-            </a:pPr>
+            <a:r>
+              <a:rPr lang="en-US" altLang="zh-CN" sz="1400" b="1" dirty="0" err="1">
+                <a:solidFill>
+                  <a:srgbClr val="FFFFFF"/>
+                </a:solidFill>
+                <a:cs typeface="Arial" charset="0"/>
+              </a:rPr>
+              <a:t>iOS</a:t>
+            </a:r>
+            <a:r>
+              <a:rPr lang="zh-CN" altLang="en-US" sz="1400" b="1" dirty="0">
+                <a:solidFill>
+                  <a:srgbClr val="FFFFFF"/>
+                </a:solidFill>
+                <a:cs typeface="Arial" charset="0"/>
+              </a:rPr>
+              <a:t>系统</a:t>
+            </a:r>
+            <a:r>
+              <a:rPr lang="zh-CN" altLang="en-US" sz="1400" b="1" dirty="0" smtClean="0">
+                <a:solidFill>
+                  <a:srgbClr val="FFFFFF"/>
+                </a:solidFill>
+                <a:cs typeface="Arial" charset="0"/>
+              </a:rPr>
+              <a:t>的设备使苹果公司成为全球市值</a:t>
+            </a:r>
+            <a:r>
+              <a:rPr lang="zh-CN" altLang="en-US" sz="1400" b="1" dirty="0">
+                <a:solidFill>
+                  <a:srgbClr val="FFFFFF"/>
+                </a:solidFill>
+                <a:cs typeface="Arial" charset="0"/>
+              </a:rPr>
+              <a:t>最高的公司</a:t>
+            </a:r>
+            <a:r>
+              <a:rPr lang="zh-CN" altLang="en-US" sz="1400" b="1" dirty="0" smtClean="0">
+                <a:solidFill>
+                  <a:srgbClr val="FFFFFF"/>
+                </a:solidFill>
+                <a:cs typeface="Arial" charset="0"/>
+              </a:rPr>
+              <a:t>，造就</a:t>
+            </a:r>
+            <a:r>
+              <a:rPr lang="zh-CN" altLang="en-US" sz="1400" b="1" dirty="0">
+                <a:solidFill>
+                  <a:srgbClr val="FFFFFF"/>
+                </a:solidFill>
+                <a:cs typeface="Arial" charset="0"/>
+              </a:rPr>
+              <a:t>了一大批</a:t>
+            </a:r>
+            <a:r>
+              <a:rPr lang="en-US" altLang="zh-CN" sz="1400" b="1" dirty="0" err="1">
+                <a:solidFill>
+                  <a:srgbClr val="FFFFFF"/>
+                </a:solidFill>
+                <a:cs typeface="Arial" charset="0"/>
+              </a:rPr>
+              <a:t>iOS</a:t>
+            </a:r>
+            <a:r>
+              <a:rPr lang="zh-CN" altLang="en-US" sz="1400" b="1" dirty="0">
+                <a:solidFill>
+                  <a:srgbClr val="FFFFFF"/>
+                </a:solidFill>
+                <a:cs typeface="Arial" charset="0"/>
+              </a:rPr>
+              <a:t>开发成功的人</a:t>
+            </a:r>
             <a:endParaRPr lang="en-US" altLang="zh-CN" sz="1400" b="1" dirty="0">
               <a:solidFill>
                 <a:srgbClr val="FFFFFF"/>
@@ -15369,8 +15281,8 @@
         </p:nvSpPr>
         <p:spPr bwMode="gray">
           <a:xfrm>
-            <a:off x="409575" y="3657600"/>
-            <a:ext cx="1882775" cy="396875"/>
+            <a:off x="179513" y="2420888"/>
+            <a:ext cx="1656184" cy="396875"/>
           </a:xfrm>
           <a:prstGeom prst="rect">
             <a:avLst/>
@@ -15400,7 +15312,7 @@
           </a:extLst>
         </p:spPr>
         <p:txBody>
-          <a:bodyPr>
+          <a:bodyPr wrap="square">
             <a:spAutoFit/>
           </a:bodyPr>
           <a:lstStyle>
@@ -15517,13 +15429,13 @@
               </a:spcBef>
             </a:pPr>
             <a:r>
-              <a:rPr lang="zh-CN" altLang="en-US" sz="2000" b="1" dirty="0" smtClean="0">
+              <a:rPr lang="zh-CN" altLang="en-US" sz="2000" b="1" dirty="0">
                 <a:solidFill>
                   <a:srgbClr val="FFFFFF"/>
                 </a:solidFill>
                 <a:cs typeface="Arial" charset="0"/>
               </a:rPr>
-              <a:t>移动流量</a:t>
+              <a:t>前景解析</a:t>
             </a:r>
             <a:endParaRPr lang="en-US" altLang="zh-CN" sz="2000" b="1" dirty="0">
               <a:solidFill>
@@ -15544,8 +15456,8 @@
         </p:nvSpPr>
         <p:spPr bwMode="gray">
           <a:xfrm>
-            <a:off x="2617217" y="3615680"/>
-            <a:ext cx="1882775" cy="400110"/>
+            <a:off x="2290663" y="2276872"/>
+            <a:ext cx="1765275" cy="707886"/>
           </a:xfrm>
           <a:prstGeom prst="rect">
             <a:avLst/>
@@ -15575,7 +15487,7 @@
           </a:extLst>
         </p:spPr>
         <p:txBody>
-          <a:bodyPr>
+          <a:bodyPr wrap="square">
             <a:spAutoFit/>
           </a:bodyPr>
           <a:lstStyle>
@@ -15692,13 +15604,22 @@
               </a:spcBef>
             </a:pPr>
             <a:r>
-              <a:rPr lang="zh-CN" altLang="en-US" sz="2000" b="1" dirty="0" smtClean="0">
+              <a:rPr lang="en-US" altLang="zh-CN" sz="2000" b="1" dirty="0" err="1" smtClean="0">
                 <a:solidFill>
                   <a:srgbClr val="FFFFFF"/>
                 </a:solidFill>
                 <a:cs typeface="Arial" charset="0"/>
               </a:rPr>
-              <a:t>移动端销售额</a:t>
+              <a:t>iOS</a:t>
+            </a:r>
+            <a:r>
+              <a:rPr lang="zh-CN" altLang="en-US" sz="2000" b="1" dirty="0" smtClean="0">
+                <a:solidFill>
+                  <a:srgbClr val="FFFFFF"/>
+                </a:solidFill>
+                <a:cs typeface="Arial" charset="0"/>
+              </a:rPr>
+              <a:t>开发表现抢眼</a:t>
             </a:r>
             <a:endParaRPr lang="en-US" altLang="zh-CN" sz="2000" b="1" dirty="0">
               <a:solidFill>
@@ -15719,8 +15640,8 @@
         </p:nvSpPr>
         <p:spPr bwMode="gray">
           <a:xfrm>
-            <a:off x="4725988" y="3623690"/>
-            <a:ext cx="1882775" cy="400110"/>
+            <a:off x="4557464" y="2276872"/>
+            <a:ext cx="1882775" cy="707886"/>
           </a:xfrm>
           <a:prstGeom prst="rect">
             <a:avLst/>
@@ -15845,16 +15766,8 @@
           </a:lstStyle>
           <a:p>
             <a:r>
-              <a:rPr lang="en-US" altLang="zh-CN" dirty="0"/>
-              <a:t>i</a:t>
-            </a:r>
-            <a:r>
-              <a:rPr lang="en-US" altLang="zh-CN" dirty="0" smtClean="0"/>
-              <a:t>OS</a:t>
-            </a:r>
-            <a:r>
               <a:rPr lang="zh-CN" altLang="en-US" dirty="0"/>
-              <a:t>流量</a:t>
+              <a:t>人才招聘，供不应求</a:t>
             </a:r>
             <a:endParaRPr lang="en-US" altLang="zh-CN" dirty="0"/>
           </a:p>
@@ -15870,8 +15783,8 @@
         </p:nvSpPr>
         <p:spPr bwMode="gray">
           <a:xfrm>
-            <a:off x="6877050" y="3657600"/>
-            <a:ext cx="1882775" cy="396875"/>
+            <a:off x="6861720" y="2276872"/>
+            <a:ext cx="2122165" cy="707886"/>
           </a:xfrm>
           <a:prstGeom prst="rect">
             <a:avLst/>
@@ -15901,7 +15814,7 @@
           </a:extLst>
         </p:spPr>
         <p:txBody>
-          <a:bodyPr>
+          <a:bodyPr wrap="square">
             <a:spAutoFit/>
           </a:bodyPr>
           <a:lstStyle>
@@ -16018,31 +15931,31 @@
               </a:spcBef>
             </a:pPr>
             <a:r>
-              <a:rPr lang="en-US" altLang="zh-CN" sz="2000" b="1" dirty="0">
+              <a:rPr lang="zh-CN" altLang="en-US" sz="2000" b="1" dirty="0">
                 <a:solidFill>
                   <a:srgbClr val="FFFFFF"/>
                 </a:solidFill>
                 <a:cs typeface="Arial" charset="0"/>
               </a:rPr>
-              <a:t>i</a:t>
+              <a:t>国内现状，缺少</a:t>
             </a:r>
             <a:r>
-              <a:rPr lang="en-US" altLang="zh-CN" sz="2000" b="1" dirty="0" smtClean="0">
+              <a:rPr lang="en-US" altLang="zh-CN" sz="2000" b="1" dirty="0" err="1">
                 <a:solidFill>
                   <a:srgbClr val="FFFFFF"/>
                 </a:solidFill>
                 <a:cs typeface="Arial" charset="0"/>
               </a:rPr>
-              <a:t>OS</a:t>
+              <a:t>iOS</a:t>
             </a:r>
             <a:r>
-              <a:rPr lang="zh-CN" altLang="en-US" sz="2000" b="1" dirty="0" smtClean="0">
+              <a:rPr lang="zh-CN" altLang="en-US" sz="2000" b="1" dirty="0">
                 <a:solidFill>
                   <a:srgbClr val="FFFFFF"/>
                 </a:solidFill>
                 <a:cs typeface="Arial" charset="0"/>
               </a:rPr>
-              <a:t>销售额</a:t>
+              <a:t>开发人才</a:t>
             </a:r>
             <a:endParaRPr lang="en-US" altLang="zh-CN" sz="2000" b="1" dirty="0">
               <a:solidFill>
@@ -16063,8 +15976,8 @@
         </p:nvSpPr>
         <p:spPr bwMode="gray">
           <a:xfrm>
-            <a:off x="2684462" y="4263752"/>
-            <a:ext cx="1666875" cy="1123384"/>
+            <a:off x="2290663" y="3140968"/>
+            <a:ext cx="1800200" cy="2462213"/>
           </a:xfrm>
           <a:prstGeom prst="rect">
             <a:avLst/>
@@ -16094,7 +16007,7 @@
           </a:extLst>
         </p:spPr>
         <p:txBody>
-          <a:bodyPr>
+          <a:bodyPr wrap="square">
             <a:spAutoFit/>
           </a:bodyPr>
           <a:lstStyle>
@@ -16211,49 +16124,103 @@
               </a:spcBef>
             </a:pPr>
             <a:r>
-              <a:rPr lang="zh-CN" altLang="en-US" sz="1400" b="1" dirty="0" smtClean="0">
+              <a:rPr lang="zh-CN" altLang="en-US" sz="1400" b="1" dirty="0">
                 <a:solidFill>
                   <a:srgbClr val="FFFFFF"/>
                 </a:solidFill>
                 <a:cs typeface="Arial" charset="0"/>
               </a:rPr>
-              <a:t>移动端销售占全部网购额：</a:t>
+              <a:t>苹果</a:t>
             </a:r>
             <a:r>
-              <a:rPr lang="en-US" altLang="zh-CN" sz="1600" b="1" dirty="0">
-                <a:solidFill>
-                  <a:srgbClr val="FF0000"/>
+              <a:rPr lang="en-US" altLang="zh-CN" sz="1400" b="1" dirty="0" err="1">
+                <a:solidFill>
+                  <a:srgbClr val="FFFFFF"/>
                 </a:solidFill>
                 <a:cs typeface="Arial" charset="0"/>
               </a:rPr>
-              <a:t>34.8%</a:t>
+              <a:t>iOS</a:t>
             </a:r>
-          </a:p>
-          <a:p>
-            <a:pPr eaLnBrk="1" hangingPunct="1">
-              <a:spcBef>
-                <a:spcPct val="50000"/>
-              </a:spcBef>
-              <a:buFontTx/>
-              <a:buChar char="•"/>
-            </a:pPr>
             <a:r>
-              <a:rPr lang="zh-CN" altLang="en-US" sz="1400" b="1" dirty="0" smtClean="0">
+              <a:rPr lang="zh-CN" altLang="en-US" sz="1400" b="1" dirty="0">
                 <a:solidFill>
                   <a:srgbClr val="FFFFFF"/>
                 </a:solidFill>
                 <a:cs typeface="Arial" charset="0"/>
               </a:rPr>
-              <a:t>较去年增长</a:t>
+              <a:t>系统主导北美移动互联网市场。其中</a:t>
             </a:r>
             <a:r>
-              <a:rPr lang="en-US" altLang="zh-CN" sz="1600" b="1" dirty="0" smtClean="0">
-                <a:solidFill>
-                  <a:srgbClr val="FFFF00"/>
+              <a:rPr lang="en-US" altLang="zh-CN" sz="1400" b="1" dirty="0">
+                <a:solidFill>
+                  <a:srgbClr val="FFFFFF"/>
                 </a:solidFill>
                 <a:cs typeface="Arial" charset="0"/>
               </a:rPr>
-              <a:t>20.4%</a:t>
+              <a:t>iPhone</a:t>
+            </a:r>
+            <a:r>
+              <a:rPr lang="zh-CN" altLang="en-US" sz="1400" b="1" dirty="0">
+                <a:solidFill>
+                  <a:srgbClr val="FFFFFF"/>
+                </a:solidFill>
+                <a:cs typeface="Arial" charset="0"/>
+              </a:rPr>
+              <a:t>所产生的移动流量，直接占到了美国和加拿大智能手机市场总流量的</a:t>
+            </a:r>
+            <a:r>
+              <a:rPr lang="en-US" altLang="zh-CN" sz="1400" b="1" dirty="0">
+                <a:solidFill>
+                  <a:srgbClr val="FFFFFF"/>
+                </a:solidFill>
+                <a:cs typeface="Arial" charset="0"/>
+              </a:rPr>
+              <a:t>53.1%——</a:t>
+            </a:r>
+            <a:r>
+              <a:rPr lang="zh-CN" altLang="en-US" sz="1400" b="1" dirty="0">
+                <a:solidFill>
+                  <a:srgbClr val="FFFFFF"/>
+                </a:solidFill>
+                <a:cs typeface="Arial" charset="0"/>
+              </a:rPr>
+              <a:t>超过了</a:t>
+            </a:r>
+            <a:r>
+              <a:rPr lang="en-US" altLang="zh-CN" sz="1400" b="1" dirty="0">
+                <a:solidFill>
+                  <a:srgbClr val="FFFFFF"/>
+                </a:solidFill>
+                <a:cs typeface="Arial" charset="0"/>
+              </a:rPr>
+              <a:t>Android</a:t>
+            </a:r>
+            <a:r>
+              <a:rPr lang="zh-CN" altLang="en-US" sz="1400" b="1" dirty="0">
+                <a:solidFill>
+                  <a:srgbClr val="FFFFFF"/>
+                </a:solidFill>
+                <a:cs typeface="Arial" charset="0"/>
+              </a:rPr>
+              <a:t>、黑莓以及</a:t>
+            </a:r>
+            <a:r>
+              <a:rPr lang="en-US" altLang="zh-CN" sz="1400" b="1" dirty="0">
+                <a:solidFill>
+                  <a:srgbClr val="FFFFFF"/>
+                </a:solidFill>
+                <a:cs typeface="Arial" charset="0"/>
+              </a:rPr>
+              <a:t>Windows Phone</a:t>
+            </a:r>
+            <a:r>
+              <a:rPr lang="zh-CN" altLang="en-US" sz="1400" b="1" dirty="0">
+                <a:solidFill>
+                  <a:srgbClr val="FFFFFF"/>
+                </a:solidFill>
+                <a:cs typeface="Arial" charset="0"/>
+              </a:rPr>
+              <a:t>等所有智能手机流量的总和</a:t>
             </a:r>
             <a:endParaRPr lang="en-US" altLang="zh-CN" sz="1600" b="1" dirty="0">
               <a:solidFill>
@@ -16274,8 +16241,8 @@
         </p:nvSpPr>
         <p:spPr bwMode="gray">
           <a:xfrm>
-            <a:off x="4849341" y="4263752"/>
-            <a:ext cx="1659409" cy="1415772"/>
+            <a:off x="4485456" y="2996952"/>
+            <a:ext cx="2088232" cy="3108544"/>
           </a:xfrm>
           <a:prstGeom prst="rect">
             <a:avLst/>
@@ -16401,43 +16368,81 @@
             </a:lvl9pPr>
           </a:lstStyle>
           <a:p>
+            <a:pPr>
+              <a:buNone/>
+            </a:pPr>
             <a:r>
               <a:rPr lang="zh-CN" altLang="en-US" dirty="0" smtClean="0"/>
-              <a:t>来自</a:t>
+              <a:t>庞大的应用</a:t>
+            </a:r>
+            <a:r>
+              <a:rPr lang="zh-CN" altLang="en-US" dirty="0"/>
+              <a:t>市场，</a:t>
+            </a:r>
+            <a:r>
+              <a:rPr lang="zh-CN" altLang="en-US" dirty="0" smtClean="0"/>
+              <a:t>使应用开发公司争抢</a:t>
+            </a:r>
+            <a:r>
+              <a:rPr lang="en-US" altLang="zh-CN" dirty="0" err="1"/>
+              <a:t>iOS</a:t>
+            </a:r>
+            <a:r>
+              <a:rPr lang="zh-CN" altLang="en-US" dirty="0"/>
+              <a:t>开发者</a:t>
+            </a:r>
+            <a:r>
+              <a:rPr lang="zh-CN" altLang="en-US" dirty="0" smtClean="0"/>
+              <a:t>。由于</a:t>
+            </a:r>
+            <a:r>
+              <a:rPr lang="en-US" altLang="zh-CN" dirty="0" err="1"/>
+              <a:t>iOS</a:t>
+            </a:r>
+            <a:r>
+              <a:rPr lang="zh-CN" altLang="en-US" dirty="0"/>
+              <a:t>系统开发技术走在全球手机系统的前端，其他系统平台应用开发公司和系统研发公司也在同时高薪挖角。</a:t>
             </a:r>
             <a:r>
               <a:rPr lang="en-US" altLang="zh-CN" dirty="0"/>
-              <a:t>i</a:t>
+              <a:t>72%</a:t>
             </a:r>
             <a:r>
-              <a:rPr lang="en-US" altLang="zh-CN" dirty="0" smtClean="0"/>
-              <a:t>OS</a:t>
+              <a:rPr lang="zh-CN" altLang="en-US" dirty="0"/>
+              <a:t>的招聘公司称，他们正在招聘</a:t>
+            </a:r>
+            <a:r>
+              <a:rPr lang="en-US" altLang="zh-CN" dirty="0" err="1"/>
+              <a:t>iOS</a:t>
+            </a:r>
+            <a:r>
+              <a:rPr lang="zh-CN" altLang="en-US" dirty="0"/>
+              <a:t>平台开发人才，其中</a:t>
+            </a:r>
+            <a:r>
+              <a:rPr lang="en-US" altLang="zh-CN" dirty="0"/>
+              <a:t>38%</a:t>
+            </a:r>
+            <a:r>
+              <a:rPr lang="zh-CN" altLang="en-US" dirty="0"/>
+              <a:t>的招聘公司表示，</a:t>
+            </a:r>
+            <a:r>
+              <a:rPr lang="en-US" altLang="zh-CN" dirty="0" err="1"/>
+              <a:t>iOS</a:t>
             </a:r>
             <a:r>
               <a:rPr lang="zh-CN" altLang="en-US" dirty="0" smtClean="0"/>
-              <a:t>的流量占全部网络流量的</a:t>
+              <a:t>平台开发人员要比</a:t>
             </a:r>
             <a:r>
-              <a:rPr lang="en-US" altLang="zh-CN" sz="1600" dirty="0" smtClean="0">
-                <a:solidFill>
-                  <a:srgbClr val="FF0000"/>
-                </a:solidFill>
-              </a:rPr>
-              <a:t>39.1%</a:t>
+              <a:rPr lang="zh-CN" altLang="en-US" dirty="0"/>
+              <a:t>任何其</a:t>
             </a:r>
-            <a:endParaRPr lang="zh-CN" altLang="en-US" sz="1600" dirty="0">
-              <a:solidFill>
-                <a:srgbClr val="FF0000"/>
-              </a:solidFill>
-            </a:endParaRPr>
-          </a:p>
-          <a:p>
-            <a:pPr>
-              <a:buNone/>
-            </a:pPr>
-            <a:endParaRPr lang="en-US" altLang="zh-CN" dirty="0"/>
-          </a:p>
-          <a:p>
+            <a:r>
+              <a:rPr lang="zh-CN" altLang="en-US" dirty="0" smtClean="0"/>
+              <a:t>他平台开发人员更受招聘公司青睐</a:t>
+            </a:r>
             <a:endParaRPr lang="en-US" altLang="zh-CN" dirty="0"/>
           </a:p>
         </p:txBody>
@@ -16452,8 +16457,8 @@
         </p:nvSpPr>
         <p:spPr bwMode="gray">
           <a:xfrm>
-            <a:off x="6975475" y="4293096"/>
-            <a:ext cx="1666875" cy="877163"/>
+            <a:off x="6861720" y="2996952"/>
+            <a:ext cx="2160240" cy="3108544"/>
           </a:xfrm>
           <a:prstGeom prst="rect">
             <a:avLst/>
@@ -16579,45 +16584,65 @@
             </a:lvl9pPr>
           </a:lstStyle>
           <a:p>
+            <a:pPr>
+              <a:buNone/>
+            </a:pPr>
             <a:r>
-              <a:rPr lang="en-US" altLang="zh-CN" dirty="0"/>
-              <a:t>i</a:t>
+              <a:rPr lang="zh-CN" altLang="en-US" dirty="0"/>
+              <a:t>国内</a:t>
             </a:r>
             <a:r>
-              <a:rPr lang="en-US" altLang="zh-CN" dirty="0" smtClean="0"/>
-              <a:t>OS</a:t>
+              <a:rPr lang="en-US" altLang="zh-CN" dirty="0" err="1"/>
+              <a:t>iOS</a:t>
+            </a:r>
+            <a:r>
+              <a:rPr lang="zh-CN" altLang="en-US" dirty="0"/>
+              <a:t>开发起步相对较晚，人才培养机制更是远远跟不上市场发展速度。有限的</a:t>
+            </a:r>
+            <a:r>
+              <a:rPr lang="en-US" altLang="zh-CN" dirty="0" err="1"/>
+              <a:t>iOS</a:t>
+            </a:r>
+            <a:r>
+              <a:rPr lang="zh-CN" altLang="en-US" dirty="0"/>
+              <a:t>开发人才成了国内企业必争的资源。甚至有的企业</a:t>
             </a:r>
             <a:r>
               <a:rPr lang="zh-CN" altLang="en-US" dirty="0" smtClean="0"/>
-              <a:t>的销售额</a:t>
+              <a:t>不得不考虑进行企业</a:t>
+            </a:r>
+            <a:r>
+              <a:rPr lang="en-US" altLang="zh-CN" dirty="0" err="1" smtClean="0"/>
+              <a:t>iOS</a:t>
+            </a:r>
+            <a:r>
+              <a:rPr lang="zh-CN" altLang="en-US" dirty="0" smtClean="0"/>
+              <a:t>培训来填补人才空缺</a:t>
             </a:r>
             <a:r>
               <a:rPr lang="zh-CN" altLang="en-US" dirty="0"/>
-              <a:t>占全部全部网购</a:t>
+              <a:t>。一名</a:t>
             </a:r>
             <a:r>
-              <a:rPr lang="zh-CN" altLang="en-US" dirty="0" smtClean="0"/>
-              <a:t>的</a:t>
+              <a:rPr lang="en-US" altLang="zh-CN" dirty="0" err="1"/>
+              <a:t>iOS</a:t>
             </a:r>
             <a:r>
-              <a:rPr lang="en-US" altLang="zh-CN" sz="1600" dirty="0" smtClean="0">
-                <a:solidFill>
-                  <a:srgbClr val="FF0000"/>
-                </a:solidFill>
-              </a:rPr>
-              <a:t>27</a:t>
+              <a:rPr lang="zh-CN" altLang="en-US" dirty="0"/>
+              <a:t>开发新手要比普通软件开发新手高出约</a:t>
             </a:r>
             <a:r>
-              <a:rPr lang="en-US" altLang="zh-CN" sz="1600" dirty="0">
-                <a:solidFill>
-                  <a:srgbClr val="FF0000"/>
-                </a:solidFill>
-              </a:rPr>
-              <a:t>%</a:t>
+              <a:rPr lang="en-US" altLang="zh-CN" dirty="0"/>
+              <a:t>20-30%</a:t>
             </a:r>
-          </a:p>
-          <a:p>
-            <a:endParaRPr lang="en-US" altLang="zh-CN" dirty="0"/>
+            <a:r>
+              <a:rPr lang="zh-CN" altLang="en-US" dirty="0"/>
+              <a:t>的薪资，有些企业甚至更高，符合条件或有项目经验的开发工程师的薪资水平更是惊人</a:t>
+            </a:r>
+            <a:r>
+              <a:rPr lang="en-US" altLang="zh-CN" dirty="0"/>
+              <a:t>!</a:t>
+            </a:r>
           </a:p>
         </p:txBody>
       </p:sp>
@@ -16631,7 +16656,7 @@
         </p:nvSpPr>
         <p:spPr bwMode="gray">
           <a:xfrm>
-            <a:off x="2319338" y="4243388"/>
+            <a:off x="1907704" y="3933056"/>
             <a:ext cx="265112" cy="274637"/>
           </a:xfrm>
           <a:prstGeom prst="rightArrow">
@@ -16775,7 +16800,7 @@
           </a:lstStyle>
           <a:p>
             <a:pPr eaLnBrk="1" hangingPunct="1"/>
-            <a:endParaRPr lang="zh-CN" altLang="en-US"/>
+            <a:endParaRPr lang="zh-CN" altLang="en-US" dirty="0"/>
           </a:p>
         </p:txBody>
       </p:sp>
@@ -16789,7 +16814,7 @@
         </p:nvSpPr>
         <p:spPr bwMode="gray">
           <a:xfrm>
-            <a:off x="4460875" y="4243388"/>
+            <a:off x="4162871" y="3933056"/>
             <a:ext cx="265113" cy="274637"/>
           </a:xfrm>
           <a:prstGeom prst="rightArrow">
@@ -16933,7 +16958,7 @@
           </a:lstStyle>
           <a:p>
             <a:pPr eaLnBrk="1" hangingPunct="1"/>
-            <a:endParaRPr lang="zh-CN" altLang="en-US"/>
+            <a:endParaRPr lang="zh-CN" altLang="en-US" dirty="0"/>
           </a:p>
         </p:txBody>
       </p:sp>
@@ -16947,7 +16972,7 @@
         </p:nvSpPr>
         <p:spPr bwMode="gray">
           <a:xfrm>
-            <a:off x="6611938" y="4243388"/>
+            <a:off x="6573688" y="3933056"/>
             <a:ext cx="265112" cy="274637"/>
           </a:xfrm>
           <a:prstGeom prst="rightArrow">
@@ -17091,7 +17116,7 @@
           </a:lstStyle>
           <a:p>
             <a:pPr eaLnBrk="1" hangingPunct="1"/>
-            <a:endParaRPr lang="zh-CN" altLang="en-US"/>
+            <a:endParaRPr lang="zh-CN" altLang="en-US" dirty="0"/>
           </a:p>
         </p:txBody>
       </p:sp>
@@ -17105,8 +17130,8 @@
         </p:nvSpPr>
         <p:spPr bwMode="gray">
           <a:xfrm>
-            <a:off x="476250" y="4114800"/>
-            <a:ext cx="1676400" cy="0"/>
+            <a:off x="251520" y="2996952"/>
+            <a:ext cx="1440160" cy="0"/>
           </a:xfrm>
           <a:prstGeom prst="line">
             <a:avLst/>
@@ -17140,7 +17165,7 @@
           <a:bodyPr/>
           <a:lstStyle/>
           <a:p>
-            <a:endParaRPr lang="zh-CN" altLang="en-US"/>
+            <a:endParaRPr lang="zh-CN" altLang="en-US" dirty="0"/>
           </a:p>
         </p:txBody>
       </p:sp>
@@ -17154,8 +17179,8 @@
         </p:nvSpPr>
         <p:spPr bwMode="gray">
           <a:xfrm>
-            <a:off x="2654300" y="4114800"/>
-            <a:ext cx="1676400" cy="0"/>
+            <a:off x="2434679" y="2996952"/>
+            <a:ext cx="1571779" cy="0"/>
           </a:xfrm>
           <a:prstGeom prst="line">
             <a:avLst/>
@@ -17189,7 +17214,7 @@
           <a:bodyPr/>
           <a:lstStyle/>
           <a:p>
-            <a:endParaRPr lang="zh-CN" altLang="en-US"/>
+            <a:endParaRPr lang="zh-CN" altLang="en-US" dirty="0"/>
           </a:p>
         </p:txBody>
       </p:sp>
@@ -17203,8 +17228,8 @@
         </p:nvSpPr>
         <p:spPr bwMode="gray">
           <a:xfrm>
-            <a:off x="4832350" y="4114800"/>
-            <a:ext cx="1676400" cy="0"/>
+            <a:off x="4629472" y="2996952"/>
+            <a:ext cx="1748408" cy="0"/>
           </a:xfrm>
           <a:prstGeom prst="line">
             <a:avLst/>
@@ -17238,7 +17263,7 @@
           <a:bodyPr/>
           <a:lstStyle/>
           <a:p>
-            <a:endParaRPr lang="zh-CN" altLang="en-US"/>
+            <a:endParaRPr lang="zh-CN" altLang="en-US" dirty="0"/>
           </a:p>
         </p:txBody>
       </p:sp>
@@ -17252,8 +17277,8 @@
         </p:nvSpPr>
         <p:spPr bwMode="gray">
           <a:xfrm>
-            <a:off x="6997700" y="4114800"/>
-            <a:ext cx="1676400" cy="0"/>
+            <a:off x="7005736" y="2996952"/>
+            <a:ext cx="1892424" cy="0"/>
           </a:xfrm>
           <a:prstGeom prst="line">
             <a:avLst/>
@@ -17287,14 +17312,14 @@
           <a:bodyPr/>
           <a:lstStyle/>
           <a:p>
-            <a:endParaRPr lang="zh-CN" altLang="en-US"/>
+            <a:endParaRPr lang="zh-CN" altLang="en-US" dirty="0"/>
           </a:p>
         </p:txBody>
       </p:sp>
     </p:spTree>
     <p:extLst>
       <p:ext uri="{BB962C8B-B14F-4D97-AF65-F5344CB8AC3E}">
-        <p14:creationId xmlns:p14="http://schemas.microsoft.com/office/powerpoint/2010/main" val="525658786"/>
+        <p14:creationId xmlns:p14="http://schemas.microsoft.com/office/powerpoint/2010/main" val="445592168"/>
       </p:ext>
     </p:extLst>
   </p:cSld>
